--- a/support/글씨.pptx
+++ b/support/글씨.pptx
@@ -5,12 +5,14 @@
     <p:sldMasterId id="2147483648" r:id="rId1"/>
   </p:sldMasterIdLst>
   <p:notesMasterIdLst>
-    <p:notesMasterId r:id="rId5"/>
+    <p:notesMasterId r:id="rId7"/>
   </p:notesMasterIdLst>
   <p:sldIdLst>
     <p:sldId id="256" r:id="rId2"/>
     <p:sldId id="257" r:id="rId3"/>
     <p:sldId id="258" r:id="rId4"/>
+    <p:sldId id="259" r:id="rId5"/>
+    <p:sldId id="260" r:id="rId6"/>
   </p:sldIdLst>
   <p:sldSz cx="12192000" cy="6858000"/>
   <p:notesSz cx="6858000" cy="9144000"/>
@@ -109,6 +111,11 @@
       </a:defRPr>
     </a:lvl9pPr>
   </p:defaultTextStyle>
+  <p:extLst>
+    <p:ext uri="{EFAFB233-063F-42B5-8137-9DF3F51BA10A}">
+      <p15:sldGuideLst xmlns:p15="http://schemas.microsoft.com/office/powerpoint/2012/main"/>
+    </p:ext>
+  </p:extLst>
 </p:presentation>
 </file>
 
@@ -194,7 +201,7 @@
           <a:p>
             <a:fld id="{A74AEC62-D249-3445-8E12-C999480E453A}" type="datetimeFigureOut">
               <a:rPr lang="en-US" smtClean="0"/>
-              <a:t>2/23/19</a:t>
+              <a:t>2/27/19</a:t>
             </a:fld>
             <a:endParaRPr lang="en-US"/>
           </a:p>
@@ -545,6 +552,90 @@
 </p:notes>
 </file>
 
+<file path=ppt/notesSlides/notesSlide2.xml><?xml version="1.0" encoding="utf-8"?>
+<p:notes xmlns:a="http://schemas.openxmlformats.org/drawingml/2006/main" xmlns:r="http://schemas.openxmlformats.org/officeDocument/2006/relationships" xmlns:p="http://schemas.openxmlformats.org/presentationml/2006/main">
+  <p:cSld>
+    <p:spTree>
+      <p:nvGrpSpPr>
+        <p:cNvPr id="1" name=""/>
+        <p:cNvGrpSpPr/>
+        <p:nvPr/>
+      </p:nvGrpSpPr>
+      <p:grpSpPr>
+        <a:xfrm>
+          <a:off x="0" y="0"/>
+          <a:ext cx="0" cy="0"/>
+          <a:chOff x="0" y="0"/>
+          <a:chExt cx="0" cy="0"/>
+        </a:xfrm>
+      </p:grpSpPr>
+      <p:sp>
+        <p:nvSpPr>
+          <p:cNvPr id="2" name="Slide Image Placeholder 1"/>
+          <p:cNvSpPr>
+            <a:spLocks noGrp="1" noRot="1" noChangeAspect="1"/>
+          </p:cNvSpPr>
+          <p:nvPr>
+            <p:ph type="sldImg"/>
+          </p:nvPr>
+        </p:nvSpPr>
+        <p:spPr/>
+      </p:sp>
+      <p:sp>
+        <p:nvSpPr>
+          <p:cNvPr id="3" name="Notes Placeholder 2"/>
+          <p:cNvSpPr>
+            <a:spLocks noGrp="1"/>
+          </p:cNvSpPr>
+          <p:nvPr>
+            <p:ph type="body" idx="1"/>
+          </p:nvPr>
+        </p:nvSpPr>
+        <p:spPr/>
+        <p:txBody>
+          <a:bodyPr/>
+          <a:lstStyle/>
+          <a:p>
+            <a:endParaRPr lang="en-US" dirty="0"/>
+          </a:p>
+        </p:txBody>
+      </p:sp>
+      <p:sp>
+        <p:nvSpPr>
+          <p:cNvPr id="4" name="Slide Number Placeholder 3"/>
+          <p:cNvSpPr>
+            <a:spLocks noGrp="1"/>
+          </p:cNvSpPr>
+          <p:nvPr>
+            <p:ph type="sldNum" sz="quarter" idx="5"/>
+          </p:nvPr>
+        </p:nvSpPr>
+        <p:spPr/>
+        <p:txBody>
+          <a:bodyPr/>
+          <a:lstStyle/>
+          <a:p>
+            <a:fld id="{C3321717-5E7B-5948-BDF9-737895D83A40}" type="slidenum">
+              <a:rPr lang="en-US" smtClean="0"/>
+              <a:t>5</a:t>
+            </a:fld>
+            <a:endParaRPr lang="en-US"/>
+          </a:p>
+        </p:txBody>
+      </p:sp>
+    </p:spTree>
+    <p:extLst>
+      <p:ext uri="{BB962C8B-B14F-4D97-AF65-F5344CB8AC3E}">
+        <p14:creationId xmlns:p14="http://schemas.microsoft.com/office/powerpoint/2010/main" val="3641944113"/>
+      </p:ext>
+    </p:extLst>
+  </p:cSld>
+  <p:clrMapOvr>
+    <a:masterClrMapping/>
+  </p:clrMapOvr>
+</p:notes>
+</file>
+
 <file path=ppt/slideLayouts/slideLayout1.xml><?xml version="1.0" encoding="utf-8"?>
 <p:sldLayout xmlns:a="http://schemas.openxmlformats.org/drawingml/2006/main" xmlns:r="http://schemas.openxmlformats.org/officeDocument/2006/relationships" xmlns:p="http://schemas.openxmlformats.org/presentationml/2006/main" type="title" preserve="1">
   <p:cSld name="Title Slide">
@@ -692,7 +783,7 @@
           <a:p>
             <a:fld id="{C6452C67-7DDD-F547-AA92-A9282DAD950C}" type="datetimeFigureOut">
               <a:rPr lang="en-US" smtClean="0"/>
-              <a:t>2/23/19</a:t>
+              <a:t>2/27/19</a:t>
             </a:fld>
             <a:endParaRPr lang="en-US" dirty="0"/>
           </a:p>
@@ -890,7 +981,7 @@
           <a:p>
             <a:fld id="{C6452C67-7DDD-F547-AA92-A9282DAD950C}" type="datetimeFigureOut">
               <a:rPr lang="en-US" smtClean="0"/>
-              <a:t>2/23/19</a:t>
+              <a:t>2/27/19</a:t>
             </a:fld>
             <a:endParaRPr lang="en-US" dirty="0"/>
           </a:p>
@@ -1098,7 +1189,7 @@
           <a:p>
             <a:fld id="{C6452C67-7DDD-F547-AA92-A9282DAD950C}" type="datetimeFigureOut">
               <a:rPr lang="en-US" smtClean="0"/>
-              <a:t>2/23/19</a:t>
+              <a:t>2/27/19</a:t>
             </a:fld>
             <a:endParaRPr lang="en-US" dirty="0"/>
           </a:p>
@@ -1296,7 +1387,7 @@
           <a:p>
             <a:fld id="{C6452C67-7DDD-F547-AA92-A9282DAD950C}" type="datetimeFigureOut">
               <a:rPr lang="en-US" smtClean="0"/>
-              <a:t>2/23/19</a:t>
+              <a:t>2/27/19</a:t>
             </a:fld>
             <a:endParaRPr lang="en-US" dirty="0"/>
           </a:p>
@@ -1571,7 +1662,7 @@
           <a:p>
             <a:fld id="{C6452C67-7DDD-F547-AA92-A9282DAD950C}" type="datetimeFigureOut">
               <a:rPr lang="en-US" smtClean="0"/>
-              <a:t>2/23/19</a:t>
+              <a:t>2/27/19</a:t>
             </a:fld>
             <a:endParaRPr lang="en-US" dirty="0"/>
           </a:p>
@@ -1836,7 +1927,7 @@
           <a:p>
             <a:fld id="{C6452C67-7DDD-F547-AA92-A9282DAD950C}" type="datetimeFigureOut">
               <a:rPr lang="en-US" smtClean="0"/>
-              <a:t>2/23/19</a:t>
+              <a:t>2/27/19</a:t>
             </a:fld>
             <a:endParaRPr lang="en-US" dirty="0"/>
           </a:p>
@@ -2248,7 +2339,7 @@
           <a:p>
             <a:fld id="{C6452C67-7DDD-F547-AA92-A9282DAD950C}" type="datetimeFigureOut">
               <a:rPr lang="en-US" smtClean="0"/>
-              <a:t>2/23/19</a:t>
+              <a:t>2/27/19</a:t>
             </a:fld>
             <a:endParaRPr lang="en-US" dirty="0"/>
           </a:p>
@@ -2389,7 +2480,7 @@
           <a:p>
             <a:fld id="{C6452C67-7DDD-F547-AA92-A9282DAD950C}" type="datetimeFigureOut">
               <a:rPr lang="en-US" smtClean="0"/>
-              <a:t>2/23/19</a:t>
+              <a:t>2/27/19</a:t>
             </a:fld>
             <a:endParaRPr lang="en-US" dirty="0"/>
           </a:p>
@@ -2502,7 +2593,7 @@
           <a:p>
             <a:fld id="{C6452C67-7DDD-F547-AA92-A9282DAD950C}" type="datetimeFigureOut">
               <a:rPr lang="en-US" smtClean="0"/>
-              <a:t>2/23/19</a:t>
+              <a:t>2/27/19</a:t>
             </a:fld>
             <a:endParaRPr lang="en-US" dirty="0"/>
           </a:p>
@@ -2813,7 +2904,7 @@
           <a:p>
             <a:fld id="{C6452C67-7DDD-F547-AA92-A9282DAD950C}" type="datetimeFigureOut">
               <a:rPr lang="en-US" smtClean="0"/>
-              <a:t>2/23/19</a:t>
+              <a:t>2/27/19</a:t>
             </a:fld>
             <a:endParaRPr lang="en-US" dirty="0"/>
           </a:p>
@@ -3101,7 +3192,7 @@
           <a:p>
             <a:fld id="{C6452C67-7DDD-F547-AA92-A9282DAD950C}" type="datetimeFigureOut">
               <a:rPr lang="en-US" smtClean="0"/>
-              <a:t>2/23/19</a:t>
+              <a:t>2/27/19</a:t>
             </a:fld>
             <a:endParaRPr lang="en-US" dirty="0"/>
           </a:p>
@@ -3342,7 +3433,7 @@
           <a:p>
             <a:fld id="{C6452C67-7DDD-F547-AA92-A9282DAD950C}" type="datetimeFigureOut">
               <a:rPr lang="en-US" smtClean="0"/>
-              <a:t>2/23/19</a:t>
+              <a:t>2/27/19</a:t>
             </a:fld>
             <a:endParaRPr lang="en-US" dirty="0"/>
           </a:p>
@@ -3796,13 +3887,13 @@
               <a:rPr lang="ko-KR" altLang="en-US" sz="7000" b="1" dirty="0">
                 <a:latin typeface="Bauhaus 93" pitchFamily="82" charset="77"/>
               </a:rPr>
-              <a:t>야생의 </a:t>
+              <a:t>가브리엘이 </a:t>
             </a:r>
             <a:r>
               <a:rPr lang="ko-KR" altLang="en-US" sz="7000" b="1" dirty="0" err="1">
                 <a:latin typeface="Bauhaus 93" pitchFamily="82" charset="77"/>
               </a:rPr>
-              <a:t>굿닥몬이</a:t>
+              <a:t>굿닥에</a:t>
             </a:r>
             <a:br>
               <a:rPr lang="en-US" altLang="ko-KR" sz="7000" b="1" dirty="0">
@@ -3813,7 +3904,7 @@
               <a:rPr lang="ko-KR" altLang="en-US" sz="7000" b="1" dirty="0">
                 <a:latin typeface="Bauhaus 93" pitchFamily="82" charset="77"/>
               </a:rPr>
-              <a:t>나타났다</a:t>
+              <a:t>합류하였습니다</a:t>
             </a:r>
             <a:br>
               <a:rPr lang="en-US" altLang="ko-KR" sz="7000" b="1" dirty="0">
@@ -4129,6 +4220,116 @@
     <p:extLst>
       <p:ext uri="{BB962C8B-B14F-4D97-AF65-F5344CB8AC3E}">
         <p14:creationId xmlns:p14="http://schemas.microsoft.com/office/powerpoint/2010/main" val="3790413238"/>
+      </p:ext>
+    </p:extLst>
+  </p:cSld>
+  <p:clrMapOvr>
+    <a:masterClrMapping/>
+  </p:clrMapOvr>
+</p:sld>
+</file>
+
+<file path=ppt/slides/slide4.xml><?xml version="1.0" encoding="utf-8"?>
+<p:sld xmlns:a="http://schemas.openxmlformats.org/drawingml/2006/main" xmlns:r="http://schemas.openxmlformats.org/officeDocument/2006/relationships" xmlns:p="http://schemas.openxmlformats.org/presentationml/2006/main">
+  <p:cSld>
+    <p:spTree>
+      <p:nvGrpSpPr>
+        <p:cNvPr id="1" name=""/>
+        <p:cNvGrpSpPr/>
+        <p:nvPr/>
+      </p:nvGrpSpPr>
+      <p:grpSpPr>
+        <a:xfrm>
+          <a:off x="0" y="0"/>
+          <a:ext cx="0" cy="0"/>
+          <a:chOff x="0" y="0"/>
+          <a:chExt cx="0" cy="0"/>
+        </a:xfrm>
+      </p:grpSpPr>
+    </p:spTree>
+    <p:extLst>
+      <p:ext uri="{BB962C8B-B14F-4D97-AF65-F5344CB8AC3E}">
+        <p14:creationId xmlns:p14="http://schemas.microsoft.com/office/powerpoint/2010/main" val="700800397"/>
+      </p:ext>
+    </p:extLst>
+  </p:cSld>
+  <p:clrMapOvr>
+    <a:masterClrMapping/>
+  </p:clrMapOvr>
+</p:sld>
+</file>
+
+<file path=ppt/slides/slide5.xml><?xml version="1.0" encoding="utf-8"?>
+<p:sld xmlns:a="http://schemas.openxmlformats.org/drawingml/2006/main" xmlns:r="http://schemas.openxmlformats.org/officeDocument/2006/relationships" xmlns:p="http://schemas.openxmlformats.org/presentationml/2006/main">
+  <p:cSld>
+    <p:spTree>
+      <p:nvGrpSpPr>
+        <p:cNvPr id="1" name=""/>
+        <p:cNvGrpSpPr/>
+        <p:nvPr/>
+      </p:nvGrpSpPr>
+      <p:grpSpPr>
+        <a:xfrm>
+          <a:off x="0" y="0"/>
+          <a:ext cx="0" cy="0"/>
+          <a:chOff x="0" y="0"/>
+          <a:chExt cx="0" cy="0"/>
+        </a:xfrm>
+      </p:grpSpPr>
+      <p:sp>
+        <p:nvSpPr>
+          <p:cNvPr id="2" name="Title 1">
+            <a:extLst>
+              <a:ext uri="{FF2B5EF4-FFF2-40B4-BE49-F238E27FC236}">
+                <a16:creationId xmlns:a16="http://schemas.microsoft.com/office/drawing/2014/main" id="{8E9C7EBD-7AE3-9345-8425-EB8ED6A707F7}"/>
+              </a:ext>
+            </a:extLst>
+          </p:cNvPr>
+          <p:cNvSpPr>
+            <a:spLocks noGrp="1"/>
+          </p:cNvSpPr>
+          <p:nvPr>
+            <p:ph type="ctrTitle"/>
+          </p:nvPr>
+        </p:nvSpPr>
+        <p:spPr>
+          <a:xfrm>
+            <a:off x="1316610" y="707010"/>
+            <a:ext cx="9144000" cy="4409000"/>
+          </a:xfrm>
+          <a:ln>
+            <a:solidFill>
+              <a:schemeClr val="accent1"/>
+            </a:solidFill>
+          </a:ln>
+        </p:spPr>
+        <p:txBody>
+          <a:bodyPr>
+            <a:normAutofit/>
+          </a:bodyPr>
+          <a:lstStyle/>
+          <a:p>
+            <a:r>
+              <a:rPr lang="ko-KR" altLang="en-US" sz="7000" b="1" dirty="0">
+                <a:latin typeface="Bauhaus 93" pitchFamily="82" charset="77"/>
+              </a:rPr>
+              <a:t>잘 부탁드립니다🙏</a:t>
+            </a:r>
+            <a:br>
+              <a:rPr lang="en-US" altLang="ko-KR" sz="7000" b="1" dirty="0">
+                <a:latin typeface="Bauhaus 93" pitchFamily="82" charset="77"/>
+              </a:rPr>
+            </a:br>
+            <a:endParaRPr lang="en-US" sz="7000" b="1" dirty="0">
+              <a:latin typeface="Bauhaus 93" pitchFamily="82" charset="77"/>
+            </a:endParaRPr>
+          </a:p>
+        </p:txBody>
+      </p:sp>
+    </p:spTree>
+    <p:extLst>
+      <p:ext uri="{BB962C8B-B14F-4D97-AF65-F5344CB8AC3E}">
+        <p14:creationId xmlns:p14="http://schemas.microsoft.com/office/powerpoint/2010/main" val="3204733243"/>
       </p:ext>
     </p:extLst>
   </p:cSld>
